--- a/進捗/weel2.pptx
+++ b/進捗/weel2.pptx
@@ -5,14 +5,15 @@
     <p:sldMasterId id="2147483648" r:id="rId1"/>
   </p:sldMasterIdLst>
   <p:notesMasterIdLst>
-    <p:notesMasterId r:id="rId7"/>
+    <p:notesMasterId r:id="rId8"/>
   </p:notesMasterIdLst>
   <p:sldIdLst>
     <p:sldId id="256" r:id="rId2"/>
     <p:sldId id="257" r:id="rId3"/>
     <p:sldId id="266" r:id="rId4"/>
     <p:sldId id="264" r:id="rId5"/>
-    <p:sldId id="259" r:id="rId6"/>
+    <p:sldId id="267" r:id="rId6"/>
+    <p:sldId id="259" r:id="rId7"/>
   </p:sldIdLst>
   <p:sldSz cx="12192000" cy="6858000"/>
   <p:notesSz cx="6858000" cy="9144000"/>
@@ -209,7 +210,7 @@
           <a:p>
             <a:fld id="{E880F42D-9C2A-2D41-A19C-476A28C5DF2F}" type="datetimeFigureOut">
               <a:rPr kumimoji="1" lang="ja-JP" altLang="en-US" smtClean="0"/>
-              <a:t>2018/4/14</a:t>
+              <a:t>2018/4/16</a:t>
             </a:fld>
             <a:endParaRPr kumimoji="1" lang="ja-JP" altLang="en-US"/>
           </a:p>
@@ -615,7 +616,7 @@
           <p:cNvPr id="2" name="タイトル 1">
             <a:extLst>
               <a:ext uri="{FF2B5EF4-FFF2-40B4-BE49-F238E27FC236}">
-                <a16:creationId xmlns:a16="http://schemas.microsoft.com/office/drawing/2014/main" xmlns="" id="{0CE6D281-6DC1-4DD1-9395-E84BA8839D23}"/>
+                <a16:creationId xmlns="" xmlns:a16="http://schemas.microsoft.com/office/drawing/2014/main" id="{0CE6D281-6DC1-4DD1-9395-E84BA8839D23}"/>
               </a:ext>
             </a:extLst>
           </p:cNvPr>
@@ -652,7 +653,7 @@
           <p:cNvPr id="3" name="字幕 2">
             <a:extLst>
               <a:ext uri="{FF2B5EF4-FFF2-40B4-BE49-F238E27FC236}">
-                <a16:creationId xmlns:a16="http://schemas.microsoft.com/office/drawing/2014/main" xmlns="" id="{D9421F28-F5A8-45C4-92F8-868EC3656E17}"/>
+                <a16:creationId xmlns="" xmlns:a16="http://schemas.microsoft.com/office/drawing/2014/main" id="{D9421F28-F5A8-45C4-92F8-868EC3656E17}"/>
               </a:ext>
             </a:extLst>
           </p:cNvPr>
@@ -722,7 +723,7 @@
           <p:cNvPr id="4" name="日付プレースホルダー 3">
             <a:extLst>
               <a:ext uri="{FF2B5EF4-FFF2-40B4-BE49-F238E27FC236}">
-                <a16:creationId xmlns:a16="http://schemas.microsoft.com/office/drawing/2014/main" xmlns="" id="{9D385CCF-A4B0-46F9-9D48-2BF9A361060A}"/>
+                <a16:creationId xmlns="" xmlns:a16="http://schemas.microsoft.com/office/drawing/2014/main" id="{9D385CCF-A4B0-46F9-9D48-2BF9A361060A}"/>
               </a:ext>
             </a:extLst>
           </p:cNvPr>
@@ -740,7 +741,7 @@
           <a:p>
             <a:fld id="{75EA521B-FDFA-4595-B6D6-A6BCCD25B025}" type="datetimeFigureOut">
               <a:rPr kumimoji="1" lang="ja-JP" altLang="en-US" smtClean="0"/>
-              <a:t>2018/4/14</a:t>
+              <a:t>2018/4/16</a:t>
             </a:fld>
             <a:endParaRPr kumimoji="1" lang="ja-JP" altLang="en-US"/>
           </a:p>
@@ -751,7 +752,7 @@
           <p:cNvPr id="5" name="フッター プレースホルダー 4">
             <a:extLst>
               <a:ext uri="{FF2B5EF4-FFF2-40B4-BE49-F238E27FC236}">
-                <a16:creationId xmlns:a16="http://schemas.microsoft.com/office/drawing/2014/main" xmlns="" id="{D0B6E068-715E-4244-B98E-641884F241DE}"/>
+                <a16:creationId xmlns="" xmlns:a16="http://schemas.microsoft.com/office/drawing/2014/main" id="{D0B6E068-715E-4244-B98E-641884F241DE}"/>
               </a:ext>
             </a:extLst>
           </p:cNvPr>
@@ -776,7 +777,7 @@
           <p:cNvPr id="6" name="スライド番号プレースホルダー 5">
             <a:extLst>
               <a:ext uri="{FF2B5EF4-FFF2-40B4-BE49-F238E27FC236}">
-                <a16:creationId xmlns:a16="http://schemas.microsoft.com/office/drawing/2014/main" xmlns="" id="{45AE47F8-1DB0-43BD-B97C-B0916D1177C1}"/>
+                <a16:creationId xmlns="" xmlns:a16="http://schemas.microsoft.com/office/drawing/2014/main" id="{45AE47F8-1DB0-43BD-B97C-B0916D1177C1}"/>
               </a:ext>
             </a:extLst>
           </p:cNvPr>
@@ -835,7 +836,7 @@
           <p:cNvPr id="2" name="タイトル 1">
             <a:extLst>
               <a:ext uri="{FF2B5EF4-FFF2-40B4-BE49-F238E27FC236}">
-                <a16:creationId xmlns:a16="http://schemas.microsoft.com/office/drawing/2014/main" xmlns="" id="{AF203661-6365-4D1B-B0C5-99836D4D5B4D}"/>
+                <a16:creationId xmlns="" xmlns:a16="http://schemas.microsoft.com/office/drawing/2014/main" id="{AF203661-6365-4D1B-B0C5-99836D4D5B4D}"/>
               </a:ext>
             </a:extLst>
           </p:cNvPr>
@@ -863,7 +864,7 @@
           <p:cNvPr id="3" name="縦書きテキスト プレースホルダー 2">
             <a:extLst>
               <a:ext uri="{FF2B5EF4-FFF2-40B4-BE49-F238E27FC236}">
-                <a16:creationId xmlns:a16="http://schemas.microsoft.com/office/drawing/2014/main" xmlns="" id="{AD79C9E9-966C-495A-B426-9E49526C9827}"/>
+                <a16:creationId xmlns="" xmlns:a16="http://schemas.microsoft.com/office/drawing/2014/main" id="{AD79C9E9-966C-495A-B426-9E49526C9827}"/>
               </a:ext>
             </a:extLst>
           </p:cNvPr>
@@ -952,7 +953,7 @@
           <p:cNvPr id="4" name="日付プレースホルダー 3">
             <a:extLst>
               <a:ext uri="{FF2B5EF4-FFF2-40B4-BE49-F238E27FC236}">
-                <a16:creationId xmlns:a16="http://schemas.microsoft.com/office/drawing/2014/main" xmlns="" id="{607D270E-6CB4-43E9-84DC-5D0B3F4D5A91}"/>
+                <a16:creationId xmlns="" xmlns:a16="http://schemas.microsoft.com/office/drawing/2014/main" id="{607D270E-6CB4-43E9-84DC-5D0B3F4D5A91}"/>
               </a:ext>
             </a:extLst>
           </p:cNvPr>
@@ -970,7 +971,7 @@
           <a:p>
             <a:fld id="{75EA521B-FDFA-4595-B6D6-A6BCCD25B025}" type="datetimeFigureOut">
               <a:rPr kumimoji="1" lang="ja-JP" altLang="en-US" smtClean="0"/>
-              <a:t>2018/4/14</a:t>
+              <a:t>2018/4/16</a:t>
             </a:fld>
             <a:endParaRPr kumimoji="1" lang="ja-JP" altLang="en-US"/>
           </a:p>
@@ -981,7 +982,7 @@
           <p:cNvPr id="5" name="フッター プレースホルダー 4">
             <a:extLst>
               <a:ext uri="{FF2B5EF4-FFF2-40B4-BE49-F238E27FC236}">
-                <a16:creationId xmlns:a16="http://schemas.microsoft.com/office/drawing/2014/main" xmlns="" id="{0C63D584-6CB9-4A49-B4C4-1F5BDF0C8FF1}"/>
+                <a16:creationId xmlns="" xmlns:a16="http://schemas.microsoft.com/office/drawing/2014/main" id="{0C63D584-6CB9-4A49-B4C4-1F5BDF0C8FF1}"/>
               </a:ext>
             </a:extLst>
           </p:cNvPr>
@@ -1006,7 +1007,7 @@
           <p:cNvPr id="6" name="スライド番号プレースホルダー 5">
             <a:extLst>
               <a:ext uri="{FF2B5EF4-FFF2-40B4-BE49-F238E27FC236}">
-                <a16:creationId xmlns:a16="http://schemas.microsoft.com/office/drawing/2014/main" xmlns="" id="{46F8EE16-C5FD-4BA9-BF12-3E492351212D}"/>
+                <a16:creationId xmlns="" xmlns:a16="http://schemas.microsoft.com/office/drawing/2014/main" id="{46F8EE16-C5FD-4BA9-BF12-3E492351212D}"/>
               </a:ext>
             </a:extLst>
           </p:cNvPr>
@@ -1065,7 +1066,7 @@
           <p:cNvPr id="2" name="縦書きタイトル 1">
             <a:extLst>
               <a:ext uri="{FF2B5EF4-FFF2-40B4-BE49-F238E27FC236}">
-                <a16:creationId xmlns:a16="http://schemas.microsoft.com/office/drawing/2014/main" xmlns="" id="{D6E8AF3F-5FB2-42C6-9D68-1849E5D88296}"/>
+                <a16:creationId xmlns="" xmlns:a16="http://schemas.microsoft.com/office/drawing/2014/main" id="{D6E8AF3F-5FB2-42C6-9D68-1849E5D88296}"/>
               </a:ext>
             </a:extLst>
           </p:cNvPr>
@@ -1098,7 +1099,7 @@
           <p:cNvPr id="3" name="縦書きテキスト プレースホルダー 2">
             <a:extLst>
               <a:ext uri="{FF2B5EF4-FFF2-40B4-BE49-F238E27FC236}">
-                <a16:creationId xmlns:a16="http://schemas.microsoft.com/office/drawing/2014/main" xmlns="" id="{87C14D51-A60E-4C9E-ABB5-12037F142BF4}"/>
+                <a16:creationId xmlns="" xmlns:a16="http://schemas.microsoft.com/office/drawing/2014/main" id="{87C14D51-A60E-4C9E-ABB5-12037F142BF4}"/>
               </a:ext>
             </a:extLst>
           </p:cNvPr>
@@ -1192,7 +1193,7 @@
           <p:cNvPr id="4" name="日付プレースホルダー 3">
             <a:extLst>
               <a:ext uri="{FF2B5EF4-FFF2-40B4-BE49-F238E27FC236}">
-                <a16:creationId xmlns:a16="http://schemas.microsoft.com/office/drawing/2014/main" xmlns="" id="{FA5A9502-4695-44BE-9558-897FF187AAE7}"/>
+                <a16:creationId xmlns="" xmlns:a16="http://schemas.microsoft.com/office/drawing/2014/main" id="{FA5A9502-4695-44BE-9558-897FF187AAE7}"/>
               </a:ext>
             </a:extLst>
           </p:cNvPr>
@@ -1210,7 +1211,7 @@
           <a:p>
             <a:fld id="{75EA521B-FDFA-4595-B6D6-A6BCCD25B025}" type="datetimeFigureOut">
               <a:rPr kumimoji="1" lang="ja-JP" altLang="en-US" smtClean="0"/>
-              <a:t>2018/4/14</a:t>
+              <a:t>2018/4/16</a:t>
             </a:fld>
             <a:endParaRPr kumimoji="1" lang="ja-JP" altLang="en-US"/>
           </a:p>
@@ -1221,7 +1222,7 @@
           <p:cNvPr id="5" name="フッター プレースホルダー 4">
             <a:extLst>
               <a:ext uri="{FF2B5EF4-FFF2-40B4-BE49-F238E27FC236}">
-                <a16:creationId xmlns:a16="http://schemas.microsoft.com/office/drawing/2014/main" xmlns="" id="{A19DA892-EF43-4CF5-9FBB-AE3D86B86673}"/>
+                <a16:creationId xmlns="" xmlns:a16="http://schemas.microsoft.com/office/drawing/2014/main" id="{A19DA892-EF43-4CF5-9FBB-AE3D86B86673}"/>
               </a:ext>
             </a:extLst>
           </p:cNvPr>
@@ -1246,7 +1247,7 @@
           <p:cNvPr id="6" name="スライド番号プレースホルダー 5">
             <a:extLst>
               <a:ext uri="{FF2B5EF4-FFF2-40B4-BE49-F238E27FC236}">
-                <a16:creationId xmlns:a16="http://schemas.microsoft.com/office/drawing/2014/main" xmlns="" id="{0382BB91-E0A9-4E7A-B692-1D50F191F42E}"/>
+                <a16:creationId xmlns="" xmlns:a16="http://schemas.microsoft.com/office/drawing/2014/main" id="{0382BB91-E0A9-4E7A-B692-1D50F191F42E}"/>
               </a:ext>
             </a:extLst>
           </p:cNvPr>
@@ -1305,7 +1306,7 @@
           <p:cNvPr id="2" name="タイトル 1">
             <a:extLst>
               <a:ext uri="{FF2B5EF4-FFF2-40B4-BE49-F238E27FC236}">
-                <a16:creationId xmlns:a16="http://schemas.microsoft.com/office/drawing/2014/main" xmlns="" id="{7F496144-A2D7-4F70-BF68-946E3885B9E4}"/>
+                <a16:creationId xmlns="" xmlns:a16="http://schemas.microsoft.com/office/drawing/2014/main" id="{7F496144-A2D7-4F70-BF68-946E3885B9E4}"/>
               </a:ext>
             </a:extLst>
           </p:cNvPr>
@@ -1333,7 +1334,7 @@
           <p:cNvPr id="3" name="コンテンツ プレースホルダー 2">
             <a:extLst>
               <a:ext uri="{FF2B5EF4-FFF2-40B4-BE49-F238E27FC236}">
-                <a16:creationId xmlns:a16="http://schemas.microsoft.com/office/drawing/2014/main" xmlns="" id="{332D9816-D845-488E-A6D8-B39A7B2CBA6F}"/>
+                <a16:creationId xmlns="" xmlns:a16="http://schemas.microsoft.com/office/drawing/2014/main" id="{332D9816-D845-488E-A6D8-B39A7B2CBA6F}"/>
               </a:ext>
             </a:extLst>
           </p:cNvPr>
@@ -1422,7 +1423,7 @@
           <p:cNvPr id="4" name="日付プレースホルダー 3">
             <a:extLst>
               <a:ext uri="{FF2B5EF4-FFF2-40B4-BE49-F238E27FC236}">
-                <a16:creationId xmlns:a16="http://schemas.microsoft.com/office/drawing/2014/main" xmlns="" id="{97E80740-37D1-4E66-BFFD-ADD8153CB3B2}"/>
+                <a16:creationId xmlns="" xmlns:a16="http://schemas.microsoft.com/office/drawing/2014/main" id="{97E80740-37D1-4E66-BFFD-ADD8153CB3B2}"/>
               </a:ext>
             </a:extLst>
           </p:cNvPr>
@@ -1440,7 +1441,7 @@
           <a:p>
             <a:fld id="{75EA521B-FDFA-4595-B6D6-A6BCCD25B025}" type="datetimeFigureOut">
               <a:rPr kumimoji="1" lang="ja-JP" altLang="en-US" smtClean="0"/>
-              <a:t>2018/4/14</a:t>
+              <a:t>2018/4/16</a:t>
             </a:fld>
             <a:endParaRPr kumimoji="1" lang="ja-JP" altLang="en-US"/>
           </a:p>
@@ -1451,7 +1452,7 @@
           <p:cNvPr id="5" name="フッター プレースホルダー 4">
             <a:extLst>
               <a:ext uri="{FF2B5EF4-FFF2-40B4-BE49-F238E27FC236}">
-                <a16:creationId xmlns:a16="http://schemas.microsoft.com/office/drawing/2014/main" xmlns="" id="{7D84BE37-7140-4154-9A22-87B640BBA726}"/>
+                <a16:creationId xmlns="" xmlns:a16="http://schemas.microsoft.com/office/drawing/2014/main" id="{7D84BE37-7140-4154-9A22-87B640BBA726}"/>
               </a:ext>
             </a:extLst>
           </p:cNvPr>
@@ -1476,7 +1477,7 @@
           <p:cNvPr id="6" name="スライド番号プレースホルダー 5">
             <a:extLst>
               <a:ext uri="{FF2B5EF4-FFF2-40B4-BE49-F238E27FC236}">
-                <a16:creationId xmlns:a16="http://schemas.microsoft.com/office/drawing/2014/main" xmlns="" id="{38F9F80D-F1CF-446F-AD73-4F3B31F4200A}"/>
+                <a16:creationId xmlns="" xmlns:a16="http://schemas.microsoft.com/office/drawing/2014/main" id="{38F9F80D-F1CF-446F-AD73-4F3B31F4200A}"/>
               </a:ext>
             </a:extLst>
           </p:cNvPr>
@@ -1535,7 +1536,7 @@
           <p:cNvPr id="2" name="タイトル 1">
             <a:extLst>
               <a:ext uri="{FF2B5EF4-FFF2-40B4-BE49-F238E27FC236}">
-                <a16:creationId xmlns:a16="http://schemas.microsoft.com/office/drawing/2014/main" xmlns="" id="{0B0D483B-AB02-495D-96A2-398631D8A9A8}"/>
+                <a16:creationId xmlns="" xmlns:a16="http://schemas.microsoft.com/office/drawing/2014/main" id="{0B0D483B-AB02-495D-96A2-398631D8A9A8}"/>
               </a:ext>
             </a:extLst>
           </p:cNvPr>
@@ -1572,7 +1573,7 @@
           <p:cNvPr id="3" name="テキスト プレースホルダー 2">
             <a:extLst>
               <a:ext uri="{FF2B5EF4-FFF2-40B4-BE49-F238E27FC236}">
-                <a16:creationId xmlns:a16="http://schemas.microsoft.com/office/drawing/2014/main" xmlns="" id="{3BF5E900-BBE6-4E28-8F78-1DE383AF95C7}"/>
+                <a16:creationId xmlns="" xmlns:a16="http://schemas.microsoft.com/office/drawing/2014/main" id="{3BF5E900-BBE6-4E28-8F78-1DE383AF95C7}"/>
               </a:ext>
             </a:extLst>
           </p:cNvPr>
@@ -1697,7 +1698,7 @@
           <p:cNvPr id="4" name="日付プレースホルダー 3">
             <a:extLst>
               <a:ext uri="{FF2B5EF4-FFF2-40B4-BE49-F238E27FC236}">
-                <a16:creationId xmlns:a16="http://schemas.microsoft.com/office/drawing/2014/main" xmlns="" id="{03A0DB1B-42C3-4635-BF5E-81A388237C72}"/>
+                <a16:creationId xmlns="" xmlns:a16="http://schemas.microsoft.com/office/drawing/2014/main" id="{03A0DB1B-42C3-4635-BF5E-81A388237C72}"/>
               </a:ext>
             </a:extLst>
           </p:cNvPr>
@@ -1715,7 +1716,7 @@
           <a:p>
             <a:fld id="{75EA521B-FDFA-4595-B6D6-A6BCCD25B025}" type="datetimeFigureOut">
               <a:rPr kumimoji="1" lang="ja-JP" altLang="en-US" smtClean="0"/>
-              <a:t>2018/4/14</a:t>
+              <a:t>2018/4/16</a:t>
             </a:fld>
             <a:endParaRPr kumimoji="1" lang="ja-JP" altLang="en-US"/>
           </a:p>
@@ -1726,7 +1727,7 @@
           <p:cNvPr id="5" name="フッター プレースホルダー 4">
             <a:extLst>
               <a:ext uri="{FF2B5EF4-FFF2-40B4-BE49-F238E27FC236}">
-                <a16:creationId xmlns:a16="http://schemas.microsoft.com/office/drawing/2014/main" xmlns="" id="{5FE78ED9-B6CA-49D9-990A-D7691D6D042C}"/>
+                <a16:creationId xmlns="" xmlns:a16="http://schemas.microsoft.com/office/drawing/2014/main" id="{5FE78ED9-B6CA-49D9-990A-D7691D6D042C}"/>
               </a:ext>
             </a:extLst>
           </p:cNvPr>
@@ -1751,7 +1752,7 @@
           <p:cNvPr id="6" name="スライド番号プレースホルダー 5">
             <a:extLst>
               <a:ext uri="{FF2B5EF4-FFF2-40B4-BE49-F238E27FC236}">
-                <a16:creationId xmlns:a16="http://schemas.microsoft.com/office/drawing/2014/main" xmlns="" id="{F122FA91-4AB8-4C60-890E-8EA97062E5D0}"/>
+                <a16:creationId xmlns="" xmlns:a16="http://schemas.microsoft.com/office/drawing/2014/main" id="{F122FA91-4AB8-4C60-890E-8EA97062E5D0}"/>
               </a:ext>
             </a:extLst>
           </p:cNvPr>
@@ -1810,7 +1811,7 @@
           <p:cNvPr id="2" name="タイトル 1">
             <a:extLst>
               <a:ext uri="{FF2B5EF4-FFF2-40B4-BE49-F238E27FC236}">
-                <a16:creationId xmlns:a16="http://schemas.microsoft.com/office/drawing/2014/main" xmlns="" id="{2FBA02A2-5349-42EB-9AEB-D3119033773E}"/>
+                <a16:creationId xmlns="" xmlns:a16="http://schemas.microsoft.com/office/drawing/2014/main" id="{2FBA02A2-5349-42EB-9AEB-D3119033773E}"/>
               </a:ext>
             </a:extLst>
           </p:cNvPr>
@@ -1838,7 +1839,7 @@
           <p:cNvPr id="3" name="コンテンツ プレースホルダー 2">
             <a:extLst>
               <a:ext uri="{FF2B5EF4-FFF2-40B4-BE49-F238E27FC236}">
-                <a16:creationId xmlns:a16="http://schemas.microsoft.com/office/drawing/2014/main" xmlns="" id="{01DD12D3-0978-44F3-9104-AFAF3800BDC5}"/>
+                <a16:creationId xmlns="" xmlns:a16="http://schemas.microsoft.com/office/drawing/2014/main" id="{01DD12D3-0978-44F3-9104-AFAF3800BDC5}"/>
               </a:ext>
             </a:extLst>
           </p:cNvPr>
@@ -1932,7 +1933,7 @@
           <p:cNvPr id="4" name="コンテンツ プレースホルダー 3">
             <a:extLst>
               <a:ext uri="{FF2B5EF4-FFF2-40B4-BE49-F238E27FC236}">
-                <a16:creationId xmlns:a16="http://schemas.microsoft.com/office/drawing/2014/main" xmlns="" id="{D5E90BF6-7C40-498F-9E7D-0568971E8E05}"/>
+                <a16:creationId xmlns="" xmlns:a16="http://schemas.microsoft.com/office/drawing/2014/main" id="{D5E90BF6-7C40-498F-9E7D-0568971E8E05}"/>
               </a:ext>
             </a:extLst>
           </p:cNvPr>
@@ -2026,7 +2027,7 @@
           <p:cNvPr id="5" name="日付プレースホルダー 4">
             <a:extLst>
               <a:ext uri="{FF2B5EF4-FFF2-40B4-BE49-F238E27FC236}">
-                <a16:creationId xmlns:a16="http://schemas.microsoft.com/office/drawing/2014/main" xmlns="" id="{3DA5DBBB-7661-42C4-89D2-80C32F98F7E6}"/>
+                <a16:creationId xmlns="" xmlns:a16="http://schemas.microsoft.com/office/drawing/2014/main" id="{3DA5DBBB-7661-42C4-89D2-80C32F98F7E6}"/>
               </a:ext>
             </a:extLst>
           </p:cNvPr>
@@ -2044,7 +2045,7 @@
           <a:p>
             <a:fld id="{75EA521B-FDFA-4595-B6D6-A6BCCD25B025}" type="datetimeFigureOut">
               <a:rPr kumimoji="1" lang="ja-JP" altLang="en-US" smtClean="0"/>
-              <a:t>2018/4/14</a:t>
+              <a:t>2018/4/16</a:t>
             </a:fld>
             <a:endParaRPr kumimoji="1" lang="ja-JP" altLang="en-US"/>
           </a:p>
@@ -2055,7 +2056,7 @@
           <p:cNvPr id="6" name="フッター プレースホルダー 5">
             <a:extLst>
               <a:ext uri="{FF2B5EF4-FFF2-40B4-BE49-F238E27FC236}">
-                <a16:creationId xmlns:a16="http://schemas.microsoft.com/office/drawing/2014/main" xmlns="" id="{5B704621-7C81-4B43-BE94-D051A39916A6}"/>
+                <a16:creationId xmlns="" xmlns:a16="http://schemas.microsoft.com/office/drawing/2014/main" id="{5B704621-7C81-4B43-BE94-D051A39916A6}"/>
               </a:ext>
             </a:extLst>
           </p:cNvPr>
@@ -2080,7 +2081,7 @@
           <p:cNvPr id="7" name="スライド番号プレースホルダー 6">
             <a:extLst>
               <a:ext uri="{FF2B5EF4-FFF2-40B4-BE49-F238E27FC236}">
-                <a16:creationId xmlns:a16="http://schemas.microsoft.com/office/drawing/2014/main" xmlns="" id="{2DC42EF8-3519-4D59-9621-F798703D74B8}"/>
+                <a16:creationId xmlns="" xmlns:a16="http://schemas.microsoft.com/office/drawing/2014/main" id="{2DC42EF8-3519-4D59-9621-F798703D74B8}"/>
               </a:ext>
             </a:extLst>
           </p:cNvPr>
@@ -2139,7 +2140,7 @@
           <p:cNvPr id="2" name="タイトル 1">
             <a:extLst>
               <a:ext uri="{FF2B5EF4-FFF2-40B4-BE49-F238E27FC236}">
-                <a16:creationId xmlns:a16="http://schemas.microsoft.com/office/drawing/2014/main" xmlns="" id="{095FA26A-CBA1-4A74-A9E3-B5FD6FFD8C98}"/>
+                <a16:creationId xmlns="" xmlns:a16="http://schemas.microsoft.com/office/drawing/2014/main" id="{095FA26A-CBA1-4A74-A9E3-B5FD6FFD8C98}"/>
               </a:ext>
             </a:extLst>
           </p:cNvPr>
@@ -2172,7 +2173,7 @@
           <p:cNvPr id="3" name="テキスト プレースホルダー 2">
             <a:extLst>
               <a:ext uri="{FF2B5EF4-FFF2-40B4-BE49-F238E27FC236}">
-                <a16:creationId xmlns:a16="http://schemas.microsoft.com/office/drawing/2014/main" xmlns="" id="{E71F706C-F473-42E3-9B63-59994DEDEECA}"/>
+                <a16:creationId xmlns="" xmlns:a16="http://schemas.microsoft.com/office/drawing/2014/main" id="{E71F706C-F473-42E3-9B63-59994DEDEECA}"/>
               </a:ext>
             </a:extLst>
           </p:cNvPr>
@@ -2243,7 +2244,7 @@
           <p:cNvPr id="4" name="コンテンツ プレースホルダー 3">
             <a:extLst>
               <a:ext uri="{FF2B5EF4-FFF2-40B4-BE49-F238E27FC236}">
-                <a16:creationId xmlns:a16="http://schemas.microsoft.com/office/drawing/2014/main" xmlns="" id="{535A327C-5F1D-41F9-9BC0-CE918329AAC8}"/>
+                <a16:creationId xmlns="" xmlns:a16="http://schemas.microsoft.com/office/drawing/2014/main" id="{535A327C-5F1D-41F9-9BC0-CE918329AAC8}"/>
               </a:ext>
             </a:extLst>
           </p:cNvPr>
@@ -2337,7 +2338,7 @@
           <p:cNvPr id="5" name="テキスト プレースホルダー 4">
             <a:extLst>
               <a:ext uri="{FF2B5EF4-FFF2-40B4-BE49-F238E27FC236}">
-                <a16:creationId xmlns:a16="http://schemas.microsoft.com/office/drawing/2014/main" xmlns="" id="{0966280A-6699-46B3-90FC-B3A085BC9DFD}"/>
+                <a16:creationId xmlns="" xmlns:a16="http://schemas.microsoft.com/office/drawing/2014/main" id="{0966280A-6699-46B3-90FC-B3A085BC9DFD}"/>
               </a:ext>
             </a:extLst>
           </p:cNvPr>
@@ -2408,7 +2409,7 @@
           <p:cNvPr id="6" name="コンテンツ プレースホルダー 5">
             <a:extLst>
               <a:ext uri="{FF2B5EF4-FFF2-40B4-BE49-F238E27FC236}">
-                <a16:creationId xmlns:a16="http://schemas.microsoft.com/office/drawing/2014/main" xmlns="" id="{0DB8FB1D-0DB7-42EB-AF6A-067CCBD78479}"/>
+                <a16:creationId xmlns="" xmlns:a16="http://schemas.microsoft.com/office/drawing/2014/main" id="{0DB8FB1D-0DB7-42EB-AF6A-067CCBD78479}"/>
               </a:ext>
             </a:extLst>
           </p:cNvPr>
@@ -2502,7 +2503,7 @@
           <p:cNvPr id="7" name="日付プレースホルダー 6">
             <a:extLst>
               <a:ext uri="{FF2B5EF4-FFF2-40B4-BE49-F238E27FC236}">
-                <a16:creationId xmlns:a16="http://schemas.microsoft.com/office/drawing/2014/main" xmlns="" id="{37CCB133-5204-4257-8832-3C5DC84C9323}"/>
+                <a16:creationId xmlns="" xmlns:a16="http://schemas.microsoft.com/office/drawing/2014/main" id="{37CCB133-5204-4257-8832-3C5DC84C9323}"/>
               </a:ext>
             </a:extLst>
           </p:cNvPr>
@@ -2520,7 +2521,7 @@
           <a:p>
             <a:fld id="{75EA521B-FDFA-4595-B6D6-A6BCCD25B025}" type="datetimeFigureOut">
               <a:rPr kumimoji="1" lang="ja-JP" altLang="en-US" smtClean="0"/>
-              <a:t>2018/4/14</a:t>
+              <a:t>2018/4/16</a:t>
             </a:fld>
             <a:endParaRPr kumimoji="1" lang="ja-JP" altLang="en-US"/>
           </a:p>
@@ -2531,7 +2532,7 @@
           <p:cNvPr id="8" name="フッター プレースホルダー 7">
             <a:extLst>
               <a:ext uri="{FF2B5EF4-FFF2-40B4-BE49-F238E27FC236}">
-                <a16:creationId xmlns:a16="http://schemas.microsoft.com/office/drawing/2014/main" xmlns="" id="{8B69A674-58B8-43F2-803B-D8F4B64D3867}"/>
+                <a16:creationId xmlns="" xmlns:a16="http://schemas.microsoft.com/office/drawing/2014/main" id="{8B69A674-58B8-43F2-803B-D8F4B64D3867}"/>
               </a:ext>
             </a:extLst>
           </p:cNvPr>
@@ -2556,7 +2557,7 @@
           <p:cNvPr id="9" name="スライド番号プレースホルダー 8">
             <a:extLst>
               <a:ext uri="{FF2B5EF4-FFF2-40B4-BE49-F238E27FC236}">
-                <a16:creationId xmlns:a16="http://schemas.microsoft.com/office/drawing/2014/main" xmlns="" id="{258EE0CB-1DC3-481C-BE13-B0C64D07C2FF}"/>
+                <a16:creationId xmlns="" xmlns:a16="http://schemas.microsoft.com/office/drawing/2014/main" id="{258EE0CB-1DC3-481C-BE13-B0C64D07C2FF}"/>
               </a:ext>
             </a:extLst>
           </p:cNvPr>
@@ -2615,7 +2616,7 @@
           <p:cNvPr id="2" name="タイトル 1">
             <a:extLst>
               <a:ext uri="{FF2B5EF4-FFF2-40B4-BE49-F238E27FC236}">
-                <a16:creationId xmlns:a16="http://schemas.microsoft.com/office/drawing/2014/main" xmlns="" id="{29CE7A56-2BD5-4E86-B6B8-FDDB51031C90}"/>
+                <a16:creationId xmlns="" xmlns:a16="http://schemas.microsoft.com/office/drawing/2014/main" id="{29CE7A56-2BD5-4E86-B6B8-FDDB51031C90}"/>
               </a:ext>
             </a:extLst>
           </p:cNvPr>
@@ -2643,7 +2644,7 @@
           <p:cNvPr id="3" name="日付プレースホルダー 2">
             <a:extLst>
               <a:ext uri="{FF2B5EF4-FFF2-40B4-BE49-F238E27FC236}">
-                <a16:creationId xmlns:a16="http://schemas.microsoft.com/office/drawing/2014/main" xmlns="" id="{69DB6501-088D-46AB-890A-C6BB835BAE6C}"/>
+                <a16:creationId xmlns="" xmlns:a16="http://schemas.microsoft.com/office/drawing/2014/main" id="{69DB6501-088D-46AB-890A-C6BB835BAE6C}"/>
               </a:ext>
             </a:extLst>
           </p:cNvPr>
@@ -2661,7 +2662,7 @@
           <a:p>
             <a:fld id="{75EA521B-FDFA-4595-B6D6-A6BCCD25B025}" type="datetimeFigureOut">
               <a:rPr kumimoji="1" lang="ja-JP" altLang="en-US" smtClean="0"/>
-              <a:t>2018/4/14</a:t>
+              <a:t>2018/4/16</a:t>
             </a:fld>
             <a:endParaRPr kumimoji="1" lang="ja-JP" altLang="en-US"/>
           </a:p>
@@ -2672,7 +2673,7 @@
           <p:cNvPr id="4" name="フッター プレースホルダー 3">
             <a:extLst>
               <a:ext uri="{FF2B5EF4-FFF2-40B4-BE49-F238E27FC236}">
-                <a16:creationId xmlns:a16="http://schemas.microsoft.com/office/drawing/2014/main" xmlns="" id="{8E9357B7-3D5A-4341-BA00-28A2BE55D86A}"/>
+                <a16:creationId xmlns="" xmlns:a16="http://schemas.microsoft.com/office/drawing/2014/main" id="{8E9357B7-3D5A-4341-BA00-28A2BE55D86A}"/>
               </a:ext>
             </a:extLst>
           </p:cNvPr>
@@ -2697,7 +2698,7 @@
           <p:cNvPr id="5" name="スライド番号プレースホルダー 4">
             <a:extLst>
               <a:ext uri="{FF2B5EF4-FFF2-40B4-BE49-F238E27FC236}">
-                <a16:creationId xmlns:a16="http://schemas.microsoft.com/office/drawing/2014/main" xmlns="" id="{7D32D81B-4C73-4B6B-A8B3-8D870FDD7C14}"/>
+                <a16:creationId xmlns="" xmlns:a16="http://schemas.microsoft.com/office/drawing/2014/main" id="{7D32D81B-4C73-4B6B-A8B3-8D870FDD7C14}"/>
               </a:ext>
             </a:extLst>
           </p:cNvPr>
@@ -2756,7 +2757,7 @@
           <p:cNvPr id="2" name="日付プレースホルダー 1">
             <a:extLst>
               <a:ext uri="{FF2B5EF4-FFF2-40B4-BE49-F238E27FC236}">
-                <a16:creationId xmlns:a16="http://schemas.microsoft.com/office/drawing/2014/main" xmlns="" id="{501E43B9-7F43-49FA-993C-646D365B66E8}"/>
+                <a16:creationId xmlns="" xmlns:a16="http://schemas.microsoft.com/office/drawing/2014/main" id="{501E43B9-7F43-49FA-993C-646D365B66E8}"/>
               </a:ext>
             </a:extLst>
           </p:cNvPr>
@@ -2774,7 +2775,7 @@
           <a:p>
             <a:fld id="{75EA521B-FDFA-4595-B6D6-A6BCCD25B025}" type="datetimeFigureOut">
               <a:rPr kumimoji="1" lang="ja-JP" altLang="en-US" smtClean="0"/>
-              <a:t>2018/4/14</a:t>
+              <a:t>2018/4/16</a:t>
             </a:fld>
             <a:endParaRPr kumimoji="1" lang="ja-JP" altLang="en-US"/>
           </a:p>
@@ -2785,7 +2786,7 @@
           <p:cNvPr id="3" name="フッター プレースホルダー 2">
             <a:extLst>
               <a:ext uri="{FF2B5EF4-FFF2-40B4-BE49-F238E27FC236}">
-                <a16:creationId xmlns:a16="http://schemas.microsoft.com/office/drawing/2014/main" xmlns="" id="{1B5814F9-43E9-4639-8804-D0FE50526812}"/>
+                <a16:creationId xmlns="" xmlns:a16="http://schemas.microsoft.com/office/drawing/2014/main" id="{1B5814F9-43E9-4639-8804-D0FE50526812}"/>
               </a:ext>
             </a:extLst>
           </p:cNvPr>
@@ -2810,7 +2811,7 @@
           <p:cNvPr id="4" name="スライド番号プレースホルダー 3">
             <a:extLst>
               <a:ext uri="{FF2B5EF4-FFF2-40B4-BE49-F238E27FC236}">
-                <a16:creationId xmlns:a16="http://schemas.microsoft.com/office/drawing/2014/main" xmlns="" id="{BA12A63D-7196-4750-BE16-7AF9605F2AEC}"/>
+                <a16:creationId xmlns="" xmlns:a16="http://schemas.microsoft.com/office/drawing/2014/main" id="{BA12A63D-7196-4750-BE16-7AF9605F2AEC}"/>
               </a:ext>
             </a:extLst>
           </p:cNvPr>
@@ -2869,7 +2870,7 @@
           <p:cNvPr id="2" name="タイトル 1">
             <a:extLst>
               <a:ext uri="{FF2B5EF4-FFF2-40B4-BE49-F238E27FC236}">
-                <a16:creationId xmlns:a16="http://schemas.microsoft.com/office/drawing/2014/main" xmlns="" id="{4BA3E28E-1453-4FC5-BD87-509FD94A1713}"/>
+                <a16:creationId xmlns="" xmlns:a16="http://schemas.microsoft.com/office/drawing/2014/main" id="{4BA3E28E-1453-4FC5-BD87-509FD94A1713}"/>
               </a:ext>
             </a:extLst>
           </p:cNvPr>
@@ -2906,7 +2907,7 @@
           <p:cNvPr id="3" name="コンテンツ プレースホルダー 2">
             <a:extLst>
               <a:ext uri="{FF2B5EF4-FFF2-40B4-BE49-F238E27FC236}">
-                <a16:creationId xmlns:a16="http://schemas.microsoft.com/office/drawing/2014/main" xmlns="" id="{36A36CFD-9E56-45B6-BF79-D9A6D9085A58}"/>
+                <a16:creationId xmlns="" xmlns:a16="http://schemas.microsoft.com/office/drawing/2014/main" id="{36A36CFD-9E56-45B6-BF79-D9A6D9085A58}"/>
               </a:ext>
             </a:extLst>
           </p:cNvPr>
@@ -3028,7 +3029,7 @@
           <p:cNvPr id="4" name="テキスト プレースホルダー 3">
             <a:extLst>
               <a:ext uri="{FF2B5EF4-FFF2-40B4-BE49-F238E27FC236}">
-                <a16:creationId xmlns:a16="http://schemas.microsoft.com/office/drawing/2014/main" xmlns="" id="{F93C75F6-EC2F-4F16-B9D1-FD93F3473C6F}"/>
+                <a16:creationId xmlns="" xmlns:a16="http://schemas.microsoft.com/office/drawing/2014/main" id="{F93C75F6-EC2F-4F16-B9D1-FD93F3473C6F}"/>
               </a:ext>
             </a:extLst>
           </p:cNvPr>
@@ -3099,7 +3100,7 @@
           <p:cNvPr id="5" name="日付プレースホルダー 4">
             <a:extLst>
               <a:ext uri="{FF2B5EF4-FFF2-40B4-BE49-F238E27FC236}">
-                <a16:creationId xmlns:a16="http://schemas.microsoft.com/office/drawing/2014/main" xmlns="" id="{D7D99318-F446-4715-930E-0A7EF11F5627}"/>
+                <a16:creationId xmlns="" xmlns:a16="http://schemas.microsoft.com/office/drawing/2014/main" id="{D7D99318-F446-4715-930E-0A7EF11F5627}"/>
               </a:ext>
             </a:extLst>
           </p:cNvPr>
@@ -3117,7 +3118,7 @@
           <a:p>
             <a:fld id="{75EA521B-FDFA-4595-B6D6-A6BCCD25B025}" type="datetimeFigureOut">
               <a:rPr kumimoji="1" lang="ja-JP" altLang="en-US" smtClean="0"/>
-              <a:t>2018/4/14</a:t>
+              <a:t>2018/4/16</a:t>
             </a:fld>
             <a:endParaRPr kumimoji="1" lang="ja-JP" altLang="en-US"/>
           </a:p>
@@ -3128,7 +3129,7 @@
           <p:cNvPr id="6" name="フッター プレースホルダー 5">
             <a:extLst>
               <a:ext uri="{FF2B5EF4-FFF2-40B4-BE49-F238E27FC236}">
-                <a16:creationId xmlns:a16="http://schemas.microsoft.com/office/drawing/2014/main" xmlns="" id="{94E79FA2-B770-4266-9776-6F8CCF1C53F8}"/>
+                <a16:creationId xmlns="" xmlns:a16="http://schemas.microsoft.com/office/drawing/2014/main" id="{94E79FA2-B770-4266-9776-6F8CCF1C53F8}"/>
               </a:ext>
             </a:extLst>
           </p:cNvPr>
@@ -3153,7 +3154,7 @@
           <p:cNvPr id="7" name="スライド番号プレースホルダー 6">
             <a:extLst>
               <a:ext uri="{FF2B5EF4-FFF2-40B4-BE49-F238E27FC236}">
-                <a16:creationId xmlns:a16="http://schemas.microsoft.com/office/drawing/2014/main" xmlns="" id="{5A39E008-98B8-42D2-82B7-92C0A3F4FBF3}"/>
+                <a16:creationId xmlns="" xmlns:a16="http://schemas.microsoft.com/office/drawing/2014/main" id="{5A39E008-98B8-42D2-82B7-92C0A3F4FBF3}"/>
               </a:ext>
             </a:extLst>
           </p:cNvPr>
@@ -3212,7 +3213,7 @@
           <p:cNvPr id="2" name="タイトル 1">
             <a:extLst>
               <a:ext uri="{FF2B5EF4-FFF2-40B4-BE49-F238E27FC236}">
-                <a16:creationId xmlns:a16="http://schemas.microsoft.com/office/drawing/2014/main" xmlns="" id="{F178F932-1CAB-4749-9D1B-4F092CBEA83C}"/>
+                <a16:creationId xmlns="" xmlns:a16="http://schemas.microsoft.com/office/drawing/2014/main" id="{F178F932-1CAB-4749-9D1B-4F092CBEA83C}"/>
               </a:ext>
             </a:extLst>
           </p:cNvPr>
@@ -3249,7 +3250,7 @@
           <p:cNvPr id="3" name="図プレースホルダー 2">
             <a:extLst>
               <a:ext uri="{FF2B5EF4-FFF2-40B4-BE49-F238E27FC236}">
-                <a16:creationId xmlns:a16="http://schemas.microsoft.com/office/drawing/2014/main" xmlns="" id="{9F66EAAB-E18A-488D-951B-E69B822801F4}"/>
+                <a16:creationId xmlns="" xmlns:a16="http://schemas.microsoft.com/office/drawing/2014/main" id="{9F66EAAB-E18A-488D-951B-E69B822801F4}"/>
               </a:ext>
             </a:extLst>
           </p:cNvPr>
@@ -3316,7 +3317,7 @@
           <p:cNvPr id="4" name="テキスト プレースホルダー 3">
             <a:extLst>
               <a:ext uri="{FF2B5EF4-FFF2-40B4-BE49-F238E27FC236}">
-                <a16:creationId xmlns:a16="http://schemas.microsoft.com/office/drawing/2014/main" xmlns="" id="{DFD72A90-CE01-4A3C-8EF5-1E6EA1ACCD8F}"/>
+                <a16:creationId xmlns="" xmlns:a16="http://schemas.microsoft.com/office/drawing/2014/main" id="{DFD72A90-CE01-4A3C-8EF5-1E6EA1ACCD8F}"/>
               </a:ext>
             </a:extLst>
           </p:cNvPr>
@@ -3387,7 +3388,7 @@
           <p:cNvPr id="5" name="日付プレースホルダー 4">
             <a:extLst>
               <a:ext uri="{FF2B5EF4-FFF2-40B4-BE49-F238E27FC236}">
-                <a16:creationId xmlns:a16="http://schemas.microsoft.com/office/drawing/2014/main" xmlns="" id="{E71DCB4C-5D8B-42E6-8917-18877365957D}"/>
+                <a16:creationId xmlns="" xmlns:a16="http://schemas.microsoft.com/office/drawing/2014/main" id="{E71DCB4C-5D8B-42E6-8917-18877365957D}"/>
               </a:ext>
             </a:extLst>
           </p:cNvPr>
@@ -3405,7 +3406,7 @@
           <a:p>
             <a:fld id="{75EA521B-FDFA-4595-B6D6-A6BCCD25B025}" type="datetimeFigureOut">
               <a:rPr kumimoji="1" lang="ja-JP" altLang="en-US" smtClean="0"/>
-              <a:t>2018/4/14</a:t>
+              <a:t>2018/4/16</a:t>
             </a:fld>
             <a:endParaRPr kumimoji="1" lang="ja-JP" altLang="en-US"/>
           </a:p>
@@ -3416,7 +3417,7 @@
           <p:cNvPr id="6" name="フッター プレースホルダー 5">
             <a:extLst>
               <a:ext uri="{FF2B5EF4-FFF2-40B4-BE49-F238E27FC236}">
-                <a16:creationId xmlns:a16="http://schemas.microsoft.com/office/drawing/2014/main" xmlns="" id="{B7188980-6317-4DE1-8452-316963FF8DBD}"/>
+                <a16:creationId xmlns="" xmlns:a16="http://schemas.microsoft.com/office/drawing/2014/main" id="{B7188980-6317-4DE1-8452-316963FF8DBD}"/>
               </a:ext>
             </a:extLst>
           </p:cNvPr>
@@ -3441,7 +3442,7 @@
           <p:cNvPr id="7" name="スライド番号プレースホルダー 6">
             <a:extLst>
               <a:ext uri="{FF2B5EF4-FFF2-40B4-BE49-F238E27FC236}">
-                <a16:creationId xmlns:a16="http://schemas.microsoft.com/office/drawing/2014/main" xmlns="" id="{AFFC8C2C-9CE8-46CD-95F8-4E5255F3EE34}"/>
+                <a16:creationId xmlns="" xmlns:a16="http://schemas.microsoft.com/office/drawing/2014/main" id="{AFFC8C2C-9CE8-46CD-95F8-4E5255F3EE34}"/>
               </a:ext>
             </a:extLst>
           </p:cNvPr>
@@ -3505,7 +3506,7 @@
           <p:cNvPr id="2" name="タイトル プレースホルダー 1">
             <a:extLst>
               <a:ext uri="{FF2B5EF4-FFF2-40B4-BE49-F238E27FC236}">
-                <a16:creationId xmlns:a16="http://schemas.microsoft.com/office/drawing/2014/main" xmlns="" id="{94C2E8AB-B025-43B6-948F-99AFDFB875A9}"/>
+                <a16:creationId xmlns="" xmlns:a16="http://schemas.microsoft.com/office/drawing/2014/main" id="{94C2E8AB-B025-43B6-948F-99AFDFB875A9}"/>
               </a:ext>
             </a:extLst>
           </p:cNvPr>
@@ -3543,7 +3544,7 @@
           <p:cNvPr id="3" name="テキスト プレースホルダー 2">
             <a:extLst>
               <a:ext uri="{FF2B5EF4-FFF2-40B4-BE49-F238E27FC236}">
-                <a16:creationId xmlns:a16="http://schemas.microsoft.com/office/drawing/2014/main" xmlns="" id="{66670018-B5D6-4CC2-ABA5-3EFB5B0D627C}"/>
+                <a16:creationId xmlns="" xmlns:a16="http://schemas.microsoft.com/office/drawing/2014/main" id="{66670018-B5D6-4CC2-ABA5-3EFB5B0D627C}"/>
               </a:ext>
             </a:extLst>
           </p:cNvPr>
@@ -3642,7 +3643,7 @@
           <p:cNvPr id="4" name="日付プレースホルダー 3">
             <a:extLst>
               <a:ext uri="{FF2B5EF4-FFF2-40B4-BE49-F238E27FC236}">
-                <a16:creationId xmlns:a16="http://schemas.microsoft.com/office/drawing/2014/main" xmlns="" id="{511848EB-ECFB-4891-96DF-1627662BEC53}"/>
+                <a16:creationId xmlns="" xmlns:a16="http://schemas.microsoft.com/office/drawing/2014/main" id="{511848EB-ECFB-4891-96DF-1627662BEC53}"/>
               </a:ext>
             </a:extLst>
           </p:cNvPr>
@@ -3678,7 +3679,7 @@
           <a:p>
             <a:fld id="{75EA521B-FDFA-4595-B6D6-A6BCCD25B025}" type="datetimeFigureOut">
               <a:rPr kumimoji="1" lang="ja-JP" altLang="en-US" smtClean="0"/>
-              <a:t>2018/4/14</a:t>
+              <a:t>2018/4/16</a:t>
             </a:fld>
             <a:endParaRPr kumimoji="1" lang="ja-JP" altLang="en-US"/>
           </a:p>
@@ -3689,7 +3690,7 @@
           <p:cNvPr id="5" name="フッター プレースホルダー 4">
             <a:extLst>
               <a:ext uri="{FF2B5EF4-FFF2-40B4-BE49-F238E27FC236}">
-                <a16:creationId xmlns:a16="http://schemas.microsoft.com/office/drawing/2014/main" xmlns="" id="{827FB0D6-D39C-4D88-8F94-3F0ED1192850}"/>
+                <a16:creationId xmlns="" xmlns:a16="http://schemas.microsoft.com/office/drawing/2014/main" id="{827FB0D6-D39C-4D88-8F94-3F0ED1192850}"/>
               </a:ext>
             </a:extLst>
           </p:cNvPr>
@@ -3732,7 +3733,7 @@
           <p:cNvPr id="6" name="スライド番号プレースホルダー 5">
             <a:extLst>
               <a:ext uri="{FF2B5EF4-FFF2-40B4-BE49-F238E27FC236}">
-                <a16:creationId xmlns:a16="http://schemas.microsoft.com/office/drawing/2014/main" xmlns="" id="{C2D8F085-3369-4B75-8279-775643219716}"/>
+                <a16:creationId xmlns="" xmlns:a16="http://schemas.microsoft.com/office/drawing/2014/main" id="{C2D8F085-3369-4B75-8279-775643219716}"/>
               </a:ext>
             </a:extLst>
           </p:cNvPr>
@@ -4100,7 +4101,7 @@
           <p:cNvPr id="2" name="タイトル 1">
             <a:extLst>
               <a:ext uri="{FF2B5EF4-FFF2-40B4-BE49-F238E27FC236}">
-                <a16:creationId xmlns:a16="http://schemas.microsoft.com/office/drawing/2014/main" xmlns="" id="{0F918AB7-B6CC-469A-9228-883F268FD20E}"/>
+                <a16:creationId xmlns="" xmlns:a16="http://schemas.microsoft.com/office/drawing/2014/main" id="{0F918AB7-B6CC-469A-9228-883F268FD20E}"/>
               </a:ext>
             </a:extLst>
           </p:cNvPr>
@@ -4136,7 +4137,7 @@
           <p:cNvPr id="3" name="字幕 2">
             <a:extLst>
               <a:ext uri="{FF2B5EF4-FFF2-40B4-BE49-F238E27FC236}">
-                <a16:creationId xmlns:a16="http://schemas.microsoft.com/office/drawing/2014/main" xmlns="" id="{47D51782-1996-46A6-B474-038A233BB6AD}"/>
+                <a16:creationId xmlns="" xmlns:a16="http://schemas.microsoft.com/office/drawing/2014/main" id="{47D51782-1996-46A6-B474-038A233BB6AD}"/>
               </a:ext>
             </a:extLst>
           </p:cNvPr>
@@ -4179,7 +4180,6 @@
               <a:rPr lang="ja-JP" altLang="en-US" dirty="0" smtClean="0"/>
               <a:t>・逆強化学習についての勉強</a:t>
             </a:r>
-            <a:endParaRPr lang="ja-JP" altLang="en-US" dirty="0" smtClean="0"/>
           </a:p>
           <a:p>
             <a:pPr algn="l"/>
@@ -4233,7 +4233,7 @@
           <p:cNvPr id="2" name="タイトル 1">
             <a:extLst>
               <a:ext uri="{FF2B5EF4-FFF2-40B4-BE49-F238E27FC236}">
-                <a16:creationId xmlns:a16="http://schemas.microsoft.com/office/drawing/2014/main" xmlns="" id="{2BB7F60B-2828-4C02-B7B7-BBFC86AAF71D}"/>
+                <a16:creationId xmlns="" xmlns:a16="http://schemas.microsoft.com/office/drawing/2014/main" id="{2BB7F60B-2828-4C02-B7B7-BBFC86AAF71D}"/>
               </a:ext>
             </a:extLst>
           </p:cNvPr>
@@ -4268,7 +4268,7 @@
           <p:cNvPr id="8" name="タイトル 1">
             <a:extLst>
               <a:ext uri="{FF2B5EF4-FFF2-40B4-BE49-F238E27FC236}">
-                <a16:creationId xmlns:a16="http://schemas.microsoft.com/office/drawing/2014/main" xmlns="" id="{A1001FD2-30B0-4A38-A491-B33012B28B77}"/>
+                <a16:creationId xmlns="" xmlns:a16="http://schemas.microsoft.com/office/drawing/2014/main" id="{A1001FD2-30B0-4A38-A491-B33012B28B77}"/>
               </a:ext>
             </a:extLst>
           </p:cNvPr>
@@ -4335,7 +4335,7 @@
           <p:cNvPr id="12" name="テキスト ボックス 11">
             <a:extLst>
               <a:ext uri="{FF2B5EF4-FFF2-40B4-BE49-F238E27FC236}">
-                <a16:creationId xmlns:a16="http://schemas.microsoft.com/office/drawing/2014/main" xmlns="" id="{1C78F9E8-B8F0-4346-B758-D63F34D741B5}"/>
+                <a16:creationId xmlns="" xmlns:a16="http://schemas.microsoft.com/office/drawing/2014/main" id="{1C78F9E8-B8F0-4346-B758-D63F34D741B5}"/>
               </a:ext>
             </a:extLst>
           </p:cNvPr>
@@ -4389,7 +4389,7 @@
           <p:cNvPr id="13" name="テキスト ボックス 12">
             <a:extLst>
               <a:ext uri="{FF2B5EF4-FFF2-40B4-BE49-F238E27FC236}">
-                <a16:creationId xmlns:a16="http://schemas.microsoft.com/office/drawing/2014/main" xmlns="" id="{E1307E92-410F-41A0-BCBA-89BF643D3714}"/>
+                <a16:creationId xmlns="" xmlns:a16="http://schemas.microsoft.com/office/drawing/2014/main" id="{E1307E92-410F-41A0-BCBA-89BF643D3714}"/>
               </a:ext>
             </a:extLst>
           </p:cNvPr>
@@ -4424,7 +4424,7 @@
           <p:cNvPr id="15" name="テキスト ボックス 14">
             <a:extLst>
               <a:ext uri="{FF2B5EF4-FFF2-40B4-BE49-F238E27FC236}">
-                <a16:creationId xmlns:a16="http://schemas.microsoft.com/office/drawing/2014/main" xmlns="" id="{4DEFDFC3-1F47-4C65-8629-D568DD03B524}"/>
+                <a16:creationId xmlns="" xmlns:a16="http://schemas.microsoft.com/office/drawing/2014/main" id="{4DEFDFC3-1F47-4C65-8629-D568DD03B524}"/>
               </a:ext>
             </a:extLst>
           </p:cNvPr>
@@ -4460,7 +4460,7 @@
           <p:cNvPr id="16" name="テキスト ボックス 15">
             <a:extLst>
               <a:ext uri="{FF2B5EF4-FFF2-40B4-BE49-F238E27FC236}">
-                <a16:creationId xmlns:a16="http://schemas.microsoft.com/office/drawing/2014/main" xmlns="" id="{3703530C-7414-437B-9101-C0FA7ADA8FDB}"/>
+                <a16:creationId xmlns="" xmlns:a16="http://schemas.microsoft.com/office/drawing/2014/main" id="{3703530C-7414-437B-9101-C0FA7ADA8FDB}"/>
               </a:ext>
             </a:extLst>
           </p:cNvPr>
@@ -4540,7 +4540,7 @@
           <p:cNvPr id="2" name="タイトル 1">
             <a:extLst>
               <a:ext uri="{FF2B5EF4-FFF2-40B4-BE49-F238E27FC236}">
-                <a16:creationId xmlns:a16="http://schemas.microsoft.com/office/drawing/2014/main" xmlns="" id="{2BB7F60B-2828-4C02-B7B7-BBFC86AAF71D}"/>
+                <a16:creationId xmlns="" xmlns:a16="http://schemas.microsoft.com/office/drawing/2014/main" id="{2BB7F60B-2828-4C02-B7B7-BBFC86AAF71D}"/>
               </a:ext>
             </a:extLst>
           </p:cNvPr>
@@ -4569,15 +4569,7 @@
             </a:r>
             <a:r>
               <a:rPr kumimoji="1" lang="ja-JP" altLang="en-US" sz="2800" dirty="0" smtClean="0"/>
-              <a:t>推定</a:t>
-            </a:r>
-            <a:r>
-              <a:rPr kumimoji="1" lang="ja-JP" altLang="en-US" sz="2800" dirty="0" smtClean="0"/>
-              <a:t>研究</a:t>
-            </a:r>
-            <a:r>
-              <a:rPr kumimoji="1" lang="ja-JP" altLang="en-US" sz="2800" dirty="0" smtClean="0"/>
-              <a:t>事例</a:t>
+              <a:t>推定研究事例</a:t>
             </a:r>
             <a:endParaRPr kumimoji="1" lang="ja-JP" altLang="en-US" sz="2800" dirty="0"/>
           </a:p>
@@ -4588,7 +4580,7 @@
           <p:cNvPr id="8" name="タイトル 1">
             <a:extLst>
               <a:ext uri="{FF2B5EF4-FFF2-40B4-BE49-F238E27FC236}">
-                <a16:creationId xmlns:a16="http://schemas.microsoft.com/office/drawing/2014/main" xmlns="" id="{A1001FD2-30B0-4A38-A491-B33012B28B77}"/>
+                <a16:creationId xmlns="" xmlns:a16="http://schemas.microsoft.com/office/drawing/2014/main" id="{A1001FD2-30B0-4A38-A491-B33012B28B77}"/>
               </a:ext>
             </a:extLst>
           </p:cNvPr>
@@ -4655,7 +4647,7 @@
           <p:cNvPr id="12" name="テキスト ボックス 11">
             <a:extLst>
               <a:ext uri="{FF2B5EF4-FFF2-40B4-BE49-F238E27FC236}">
-                <a16:creationId xmlns:a16="http://schemas.microsoft.com/office/drawing/2014/main" xmlns="" id="{1C78F9E8-B8F0-4346-B758-D63F34D741B5}"/>
+                <a16:creationId xmlns="" xmlns:a16="http://schemas.microsoft.com/office/drawing/2014/main" id="{1C78F9E8-B8F0-4346-B758-D63F34D741B5}"/>
               </a:ext>
             </a:extLst>
           </p:cNvPr>
@@ -4689,15 +4681,7 @@
           <a:p>
             <a:r>
               <a:rPr lang="ja-JP" altLang="en-US" sz="2000" dirty="0" smtClean="0"/>
-              <a:t>小地域</a:t>
-            </a:r>
-            <a:r>
-              <a:rPr lang="ja-JP" altLang="en-US" sz="2000" dirty="0" smtClean="0"/>
-              <a:t>ご</a:t>
-            </a:r>
-            <a:r>
-              <a:rPr lang="ja-JP" altLang="en-US" sz="2000" dirty="0" smtClean="0"/>
-              <a:t>とに</a:t>
+              <a:t>小地域ごとに</a:t>
             </a:r>
             <a:r>
               <a:rPr lang="ja-JP" altLang="en-US" sz="2000" dirty="0"/>
@@ -4705,15 +4689,7 @@
             </a:r>
             <a:r>
               <a:rPr lang="ja-JP" altLang="en-US" sz="2000" dirty="0" smtClean="0"/>
-              <a:t>イン</a:t>
-            </a:r>
-            <a:r>
-              <a:rPr lang="ja-JP" altLang="en-US" sz="2000" dirty="0" smtClean="0"/>
-              <a:t>デ</a:t>
-            </a:r>
-            <a:r>
-              <a:rPr lang="ja-JP" altLang="en-US" sz="2000" dirty="0" smtClean="0"/>
-              <a:t>ックス</a:t>
+              <a:t>インデックス</a:t>
             </a:r>
             <a:r>
               <a:rPr lang="ja-JP" altLang="en-US" sz="2000" dirty="0"/>
@@ -4721,21 +4697,13 @@
             </a:r>
             <a:r>
               <a:rPr lang="ja-JP" altLang="en-US" sz="2000" dirty="0" smtClean="0"/>
-              <a:t>示</a:t>
-            </a:r>
+              <a:t>示すことで</a:t>
+            </a:r>
+          </a:p>
+          <a:p>
             <a:r>
               <a:rPr lang="ja-JP" altLang="en-US" sz="2000" dirty="0" smtClean="0"/>
-              <a:t>すことで</a:t>
-            </a:r>
-          </a:p>
-          <a:p>
-            <a:r>
-              <a:rPr lang="ja-JP" altLang="en-US" sz="2000" dirty="0" smtClean="0"/>
-              <a:t>小</a:t>
-            </a:r>
-            <a:r>
-              <a:rPr lang="ja-JP" altLang="en-US" sz="2000" dirty="0" smtClean="0"/>
-              <a:t>地域的</a:t>
+              <a:t>小地域的</a:t>
             </a:r>
             <a:r>
               <a:rPr lang="ja-JP" altLang="en-US" sz="2000" dirty="0"/>
@@ -4743,15 +4711,7 @@
             </a:r>
             <a:r>
               <a:rPr lang="ja-JP" altLang="en-US" sz="2000" dirty="0" smtClean="0"/>
-              <a:t>地域内</a:t>
-            </a:r>
-            <a:r>
-              <a:rPr lang="ja-JP" altLang="en-US" sz="2000" dirty="0" smtClean="0"/>
-              <a:t>で</a:t>
-            </a:r>
-            <a:r>
-              <a:rPr lang="ja-JP" altLang="en-US" sz="2000" dirty="0" smtClean="0"/>
-              <a:t>の</a:t>
+              <a:t>地域内での</a:t>
             </a:r>
             <a:r>
               <a:rPr lang="ja-JP" altLang="en-US" sz="2000" dirty="0"/>
@@ -4759,21 +4719,12 @@
             </a:r>
             <a:r>
               <a:rPr lang="ja-JP" altLang="en-US" sz="2000" dirty="0" smtClean="0"/>
-              <a:t>こと</a:t>
-            </a:r>
-            <a:r>
-              <a:rPr lang="ja-JP" altLang="en-US" sz="2000" dirty="0" smtClean="0"/>
-              <a:t>がで</a:t>
-            </a:r>
-            <a:r>
-              <a:rPr lang="ja-JP" altLang="en-US" sz="2000" dirty="0" smtClean="0"/>
-              <a:t>きる</a:t>
+              <a:t>ことができる</a:t>
             </a:r>
             <a:r>
               <a:rPr lang="ja-JP" altLang="en-US" sz="2000" dirty="0"/>
               <a:t>。 </a:t>
             </a:r>
-            <a:endParaRPr lang="ja-JP" altLang="en-US" sz="2000" dirty="0"/>
           </a:p>
         </p:txBody>
       </p:sp>
@@ -4782,7 +4733,7 @@
           <p:cNvPr id="13" name="テキスト ボックス 12">
             <a:extLst>
               <a:ext uri="{FF2B5EF4-FFF2-40B4-BE49-F238E27FC236}">
-                <a16:creationId xmlns:a16="http://schemas.microsoft.com/office/drawing/2014/main" xmlns="" id="{E1307E92-410F-41A0-BCBA-89BF643D3714}"/>
+                <a16:creationId xmlns="" xmlns:a16="http://schemas.microsoft.com/office/drawing/2014/main" id="{E1307E92-410F-41A0-BCBA-89BF643D3714}"/>
               </a:ext>
             </a:extLst>
           </p:cNvPr>
@@ -4791,8 +4742,8 @@
         </p:nvSpPr>
         <p:spPr>
           <a:xfrm>
-            <a:off x="594383" y="2113635"/>
-            <a:ext cx="5032695" cy="1200329"/>
+            <a:off x="594383" y="1845729"/>
+            <a:ext cx="5032695" cy="1569660"/>
           </a:xfrm>
           <a:prstGeom prst="rect">
             <a:avLst/>
@@ -4805,40 +4756,27 @@
           </a:bodyPr>
           <a:lstStyle/>
           <a:p>
-            <a:pPr fontAlgn="ctr"/>
-            <a:r>
-              <a:rPr lang="ja-JP" altLang="en-US" sz="2400" b="1" dirty="0">
-                <a:solidFill>
-                  <a:srgbClr val="000000"/>
-                </a:solidFill>
-                <a:latin typeface="ＭＳ Ｐ明朝" charset="-128"/>
-              </a:rPr>
-              <a:t>時空間的相関を考慮した 小地域不動産価格インデックスのベイズ </a:t>
-            </a:r>
-            <a:r>
-              <a:rPr lang="en-US" altLang="ja-JP" sz="2400" b="1" dirty="0">
-                <a:solidFill>
-                  <a:srgbClr val="000000"/>
-                </a:solidFill>
-                <a:latin typeface="ＭＳ Ｐ明朝" charset="-128"/>
-              </a:rPr>
-              <a:t>MCMC </a:t>
-            </a:r>
-            <a:r>
-              <a:rPr lang="ja-JP" altLang="en-US" sz="2400" b="1" dirty="0">
-                <a:solidFill>
-                  <a:srgbClr val="000000"/>
-                </a:solidFill>
-                <a:latin typeface="ＭＳ Ｐ明朝" charset="-128"/>
-              </a:rPr>
-              <a:t>推定  </a:t>
-            </a:r>
-            <a:endParaRPr lang="ja-JP" altLang="en-US" sz="2400" b="1" dirty="0">
-              <a:solidFill>
-                <a:srgbClr val="000000"/>
-              </a:solidFill>
-              <a:latin typeface="ＭＳ Ｐ明朝" charset="-128"/>
-            </a:endParaRPr>
+            <a:r>
+              <a:rPr lang="en-US" altLang="ja-JP" sz="2400" b="1" dirty="0"/>
+              <a:t>House Price </a:t>
+            </a:r>
+            <a:r>
+              <a:rPr lang="en-US" altLang="ja-JP" sz="2400" b="1" dirty="0" err="1"/>
+              <a:t>lndex</a:t>
+            </a:r>
+            <a:r>
+              <a:rPr lang="en-US" altLang="ja-JP" sz="2400" b="1" dirty="0"/>
+              <a:t> in Small Areas with Bayesian MCMC Estimation Based on </a:t>
+            </a:r>
+            <a:r>
+              <a:rPr lang="en-US" altLang="ja-JP" sz="2400" b="1" dirty="0" err="1"/>
+              <a:t>Spatio</a:t>
+            </a:r>
+            <a:r>
+              <a:rPr lang="en-US" altLang="ja-JP" sz="2400" b="1" dirty="0"/>
+              <a:t>-Temporal Correlation </a:t>
+            </a:r>
+            <a:endParaRPr lang="en-US" altLang="ja-JP" sz="2400" b="1" dirty="0"/>
           </a:p>
         </p:txBody>
       </p:sp>
@@ -4847,7 +4785,7 @@
           <p:cNvPr id="15" name="テキスト ボックス 14">
             <a:extLst>
               <a:ext uri="{FF2B5EF4-FFF2-40B4-BE49-F238E27FC236}">
-                <a16:creationId xmlns:a16="http://schemas.microsoft.com/office/drawing/2014/main" xmlns="" id="{4DEFDFC3-1F47-4C65-8629-D568DD03B524}"/>
+                <a16:creationId xmlns="" xmlns:a16="http://schemas.microsoft.com/office/drawing/2014/main" id="{4DEFDFC3-1F47-4C65-8629-D568DD03B524}"/>
               </a:ext>
             </a:extLst>
           </p:cNvPr>
@@ -4879,11 +4817,6 @@
               </a:rPr>
               <a:t>The prediction on Residential real estate price Based on BPNN  </a:t>
             </a:r>
-            <a:endParaRPr lang="en-US" altLang="ja-JP" sz="2400" b="1" dirty="0">
-              <a:solidFill>
-                <a:srgbClr val="000000"/>
-              </a:solidFill>
-            </a:endParaRPr>
           </a:p>
         </p:txBody>
       </p:sp>
@@ -4892,7 +4825,7 @@
           <p:cNvPr id="16" name="テキスト ボックス 15">
             <a:extLst>
               <a:ext uri="{FF2B5EF4-FFF2-40B4-BE49-F238E27FC236}">
-                <a16:creationId xmlns:a16="http://schemas.microsoft.com/office/drawing/2014/main" xmlns="" id="{3703530C-7414-437B-9101-C0FA7ADA8FDB}"/>
+                <a16:creationId xmlns="" xmlns:a16="http://schemas.microsoft.com/office/drawing/2014/main" id="{3703530C-7414-437B-9101-C0FA7ADA8FDB}"/>
               </a:ext>
             </a:extLst>
           </p:cNvPr>
@@ -4975,7 +4908,7 @@
           <p:cNvPr id="2" name="タイトル 1">
             <a:extLst>
               <a:ext uri="{FF2B5EF4-FFF2-40B4-BE49-F238E27FC236}">
-                <a16:creationId xmlns:a16="http://schemas.microsoft.com/office/drawing/2014/main" xmlns="" id="{2BB7F60B-2828-4C02-B7B7-BBFC86AAF71D}"/>
+                <a16:creationId xmlns="" xmlns:a16="http://schemas.microsoft.com/office/drawing/2014/main" id="{2BB7F60B-2828-4C02-B7B7-BBFC86AAF71D}"/>
               </a:ext>
             </a:extLst>
           </p:cNvPr>
@@ -5011,7 +4944,7 @@
           <p:cNvPr id="8" name="タイトル 1">
             <a:extLst>
               <a:ext uri="{FF2B5EF4-FFF2-40B4-BE49-F238E27FC236}">
-                <a16:creationId xmlns:a16="http://schemas.microsoft.com/office/drawing/2014/main" xmlns="" id="{A1001FD2-30B0-4A38-A491-B33012B28B77}"/>
+                <a16:creationId xmlns="" xmlns:a16="http://schemas.microsoft.com/office/drawing/2014/main" id="{A1001FD2-30B0-4A38-A491-B33012B28B77}"/>
               </a:ext>
             </a:extLst>
           </p:cNvPr>
@@ -5078,7 +5011,7 @@
           <p:cNvPr id="5" name="テキスト ボックス 4">
             <a:extLst>
               <a:ext uri="{FF2B5EF4-FFF2-40B4-BE49-F238E27FC236}">
-                <a16:creationId xmlns:a16="http://schemas.microsoft.com/office/drawing/2014/main" xmlns="" id="{AA4263BE-8FE6-4748-BD07-87926DD3E533}"/>
+                <a16:creationId xmlns="" xmlns:a16="http://schemas.microsoft.com/office/drawing/2014/main" id="{AA4263BE-8FE6-4748-BD07-87926DD3E533}"/>
               </a:ext>
             </a:extLst>
           </p:cNvPr>
@@ -5111,11 +5044,7 @@
             </a:r>
             <a:r>
               <a:rPr kumimoji="1" lang="ja-JP" altLang="en-US" sz="2800" dirty="0" smtClean="0"/>
-              <a:t>化</a:t>
-            </a:r>
-            <a:r>
-              <a:rPr kumimoji="1" lang="ja-JP" altLang="en-US" sz="2800" dirty="0" smtClean="0"/>
-              <a:t>（価格の適正化）</a:t>
+              <a:t>化（価格の適正化）</a:t>
             </a:r>
             <a:endParaRPr kumimoji="1" lang="en-US" altLang="ja-JP" sz="2800" dirty="0"/>
           </a:p>
@@ -5184,7 +5113,7 @@
           <p:cNvPr id="6" name="テキスト ボックス 5">
             <a:extLst>
               <a:ext uri="{FF2B5EF4-FFF2-40B4-BE49-F238E27FC236}">
-                <a16:creationId xmlns:a16="http://schemas.microsoft.com/office/drawing/2014/main" xmlns="" id="{E0F3CC15-D1C2-4AE5-A577-14D09C3DBE01}"/>
+                <a16:creationId xmlns="" xmlns:a16="http://schemas.microsoft.com/office/drawing/2014/main" id="{E0F3CC15-D1C2-4AE5-A577-14D09C3DBE01}"/>
               </a:ext>
             </a:extLst>
           </p:cNvPr>
@@ -5194,7 +5123,7 @@
         <p:spPr>
           <a:xfrm>
             <a:off x="9309463" y="1166842"/>
-            <a:ext cx="2882537" cy="707886"/>
+            <a:ext cx="2882537" cy="1015663"/>
           </a:xfrm>
           <a:prstGeom prst="rect">
             <a:avLst/>
@@ -5221,24 +5150,28 @@
                   <a:srgbClr val="FF0000"/>
                 </a:solidFill>
               </a:rPr>
-              <a:t>企業の</a:t>
-            </a:r>
-            <a:r>
-              <a:rPr kumimoji="1" lang="ja-JP" altLang="en-US" sz="2000" dirty="0">
+              <a:t>企業</a:t>
+            </a:r>
+            <a:r>
+              <a:rPr lang="en-US" altLang="ja-JP" sz="2000" dirty="0" smtClean="0">
                 <a:solidFill>
                   <a:srgbClr val="FF0000"/>
                 </a:solidFill>
               </a:rPr>
-              <a:t>大部分が</a:t>
-            </a:r>
+              <a:t>,</a:t>
+            </a:r>
+          </a:p>
+          <a:p>
             <a:r>
               <a:rPr kumimoji="1" lang="ja-JP" altLang="en-US" sz="2000" dirty="0" smtClean="0">
                 <a:solidFill>
                   <a:srgbClr val="FF0000"/>
                 </a:solidFill>
               </a:rPr>
-              <a:t>開発。</a:t>
-            </a:r>
+              <a:t>研究が注目</a:t>
+            </a:r>
+          </a:p>
+          <a:p>
             <a:endParaRPr kumimoji="1" lang="ja-JP" altLang="en-US" sz="2000" dirty="0">
               <a:solidFill>
                 <a:srgbClr val="FF0000"/>
@@ -5252,7 +5185,7 @@
           <p:cNvPr id="9" name="直線矢印コネクタ 8">
             <a:extLst>
               <a:ext uri="{FF2B5EF4-FFF2-40B4-BE49-F238E27FC236}">
-                <a16:creationId xmlns:a16="http://schemas.microsoft.com/office/drawing/2014/main" xmlns="" id="{B855149D-5B55-4063-9986-6BABF30BFF4C}"/>
+                <a16:creationId xmlns="" xmlns:a16="http://schemas.microsoft.com/office/drawing/2014/main" id="{B855149D-5B55-4063-9986-6BABF30BFF4C}"/>
               </a:ext>
             </a:extLst>
           </p:cNvPr>
@@ -5263,8 +5196,8 @@
         </p:nvCxnSpPr>
         <p:spPr>
           <a:xfrm flipH="1">
-            <a:off x="8458200" y="1520785"/>
-            <a:ext cx="851263" cy="1355223"/>
+            <a:off x="8458201" y="1674674"/>
+            <a:ext cx="851262" cy="1201334"/>
           </a:xfrm>
           <a:prstGeom prst="straightConnector1">
             <a:avLst/>
@@ -5320,10 +5253,216 @@
       </p:grpSpPr>
       <p:sp>
         <p:nvSpPr>
+          <p:cNvPr id="4" name="タイトル 1">
+            <a:extLst>
+              <a:ext uri="{FF2B5EF4-FFF2-40B4-BE49-F238E27FC236}">
+                <a16:creationId xmlns="" xmlns:a16="http://schemas.microsoft.com/office/drawing/2014/main" id="{A1001FD2-30B0-4A38-A491-B33012B28B77}"/>
+              </a:ext>
+            </a:extLst>
+          </p:cNvPr>
+          <p:cNvSpPr txBox="1">
+            <a:spLocks/>
+          </p:cNvSpPr>
+          <p:nvPr/>
+        </p:nvSpPr>
+        <p:spPr>
+          <a:xfrm>
+            <a:off x="0" y="-80683"/>
+            <a:ext cx="12192000" cy="510987"/>
+          </a:xfrm>
+          <a:prstGeom prst="rect">
+            <a:avLst/>
+          </a:prstGeom>
+          <a:solidFill>
+            <a:schemeClr val="accent6"/>
+          </a:solidFill>
+        </p:spPr>
+        <p:txBody>
+          <a:bodyPr vert="horz" lIns="91440" tIns="45720" rIns="91440" bIns="45720" rtlCol="0" anchor="ctr">
+            <a:noAutofit/>
+          </a:bodyPr>
+          <a:lstStyle>
+            <a:lvl1pPr algn="l" defTabSz="914400" rtl="0" eaLnBrk="1" latinLnBrk="0" hangingPunct="1">
+              <a:lnSpc>
+                <a:spcPct val="90000"/>
+              </a:lnSpc>
+              <a:spcBef>
+                <a:spcPct val="0"/>
+              </a:spcBef>
+              <a:buNone/>
+              <a:defRPr kumimoji="1" sz="4400" kern="1200">
+                <a:solidFill>
+                  <a:schemeClr val="tx1"/>
+                </a:solidFill>
+                <a:latin typeface="+mj-lt"/>
+                <a:ea typeface="+mj-ea"/>
+                <a:cs typeface="+mj-cs"/>
+              </a:defRPr>
+            </a:lvl1pPr>
+          </a:lstStyle>
+          <a:p>
+            <a:pPr algn="ctr"/>
+            <a:r>
+              <a:rPr lang="en-US" altLang="ja-JP" sz="3600" b="1" dirty="0">
+                <a:solidFill>
+                  <a:schemeClr val="bg1"/>
+                </a:solidFill>
+              </a:rPr>
+              <a:t>What I did last week.</a:t>
+            </a:r>
+            <a:endParaRPr lang="ja-JP" altLang="en-US" sz="3600" b="1" dirty="0">
+              <a:solidFill>
+                <a:schemeClr val="bg1"/>
+              </a:solidFill>
+            </a:endParaRPr>
+          </a:p>
+        </p:txBody>
+      </p:sp>
+      <p:sp>
+        <p:nvSpPr>
+          <p:cNvPr id="5" name="テキスト ボックス 4"/>
+          <p:cNvSpPr txBox="1"/>
+          <p:nvPr/>
+        </p:nvSpPr>
+        <p:spPr>
+          <a:xfrm>
+            <a:off x="1424354" y="1283677"/>
+            <a:ext cx="1582615" cy="646331"/>
+          </a:xfrm>
+          <a:prstGeom prst="rect">
+            <a:avLst/>
+          </a:prstGeom>
+          <a:noFill/>
+        </p:spPr>
+        <p:txBody>
+          <a:bodyPr wrap="square" rtlCol="0">
+            <a:spAutoFit/>
+          </a:bodyPr>
+          <a:lstStyle/>
+          <a:p>
+            <a:r>
+              <a:rPr kumimoji="1" lang="ja-JP" altLang="en-US" sz="3600" dirty="0" smtClean="0"/>
+              <a:t>院試</a:t>
+            </a:r>
+            <a:endParaRPr kumimoji="1" lang="ja-JP" altLang="en-US" sz="3600" dirty="0"/>
+          </a:p>
+        </p:txBody>
+      </p:sp>
+      <p:sp>
+        <p:nvSpPr>
+          <p:cNvPr id="8" name="テキスト ボックス 7"/>
+          <p:cNvSpPr txBox="1"/>
+          <p:nvPr/>
+        </p:nvSpPr>
+        <p:spPr>
+          <a:xfrm>
+            <a:off x="3006969" y="2461846"/>
+            <a:ext cx="8370277" cy="2308324"/>
+          </a:xfrm>
+          <a:prstGeom prst="rect">
+            <a:avLst/>
+          </a:prstGeom>
+          <a:noFill/>
+        </p:spPr>
+        <p:txBody>
+          <a:bodyPr wrap="square" rtlCol="0">
+            <a:spAutoFit/>
+          </a:bodyPr>
+          <a:lstStyle/>
+          <a:p>
+            <a:pPr marL="342900" indent="-342900">
+              <a:lnSpc>
+                <a:spcPct val="200000"/>
+              </a:lnSpc>
+              <a:buFont typeface="Wingdings" charset="2"/>
+              <a:buChar char="ü"/>
+            </a:pPr>
+            <a:r>
+              <a:rPr kumimoji="1" lang="en-US" altLang="ja-JP" sz="2400" dirty="0" smtClean="0"/>
+              <a:t>TOIEC(Part 7</a:t>
+            </a:r>
+            <a:r>
+              <a:rPr kumimoji="1" lang="ja-JP" altLang="en-US" sz="2400" dirty="0" smtClean="0"/>
+              <a:t>）</a:t>
+            </a:r>
+          </a:p>
+          <a:p>
+            <a:pPr marL="342900" indent="-342900">
+              <a:lnSpc>
+                <a:spcPct val="200000"/>
+              </a:lnSpc>
+              <a:buFont typeface="Wingdings" charset="2"/>
+              <a:buChar char="ü"/>
+            </a:pPr>
+            <a:r>
+              <a:rPr kumimoji="1" lang="ja-JP" altLang="en-US" sz="2400" dirty="0" smtClean="0"/>
+              <a:t>オペレーションリサーチ</a:t>
+            </a:r>
+          </a:p>
+          <a:p>
+            <a:pPr marL="342900" indent="-342900">
+              <a:lnSpc>
+                <a:spcPct val="200000"/>
+              </a:lnSpc>
+              <a:buFont typeface="Wingdings" charset="2"/>
+              <a:buChar char="ü"/>
+            </a:pPr>
+            <a:r>
+              <a:rPr lang="ja-JP" altLang="en-US" sz="2400" dirty="0" smtClean="0"/>
+              <a:t>線形</a:t>
+            </a:r>
+            <a:r>
+              <a:rPr lang="ja-JP" altLang="en-US" sz="2400" dirty="0"/>
+              <a:t>・</a:t>
+            </a:r>
+            <a:r>
+              <a:rPr lang="ja-JP" altLang="en-US" sz="2400" dirty="0" smtClean="0"/>
+              <a:t>微積</a:t>
+            </a:r>
+            <a:r>
+              <a:rPr lang="ja-JP" altLang="en-US" sz="2400" dirty="0" smtClean="0"/>
+              <a:t>の復習</a:t>
+            </a:r>
+            <a:endParaRPr kumimoji="1" lang="ja-JP" altLang="en-US" sz="2400" dirty="0" smtClean="0"/>
+          </a:p>
+        </p:txBody>
+      </p:sp>
+    </p:spTree>
+    <p:extLst>
+      <p:ext uri="{BB962C8B-B14F-4D97-AF65-F5344CB8AC3E}">
+        <p14:creationId xmlns:p14="http://schemas.microsoft.com/office/powerpoint/2010/main" val="1027011784"/>
+      </p:ext>
+    </p:extLst>
+  </p:cSld>
+  <p:clrMapOvr>
+    <a:masterClrMapping/>
+  </p:clrMapOvr>
+</p:sld>
+</file>
+
+<file path=ppt/slides/slide6.xml><?xml version="1.0" encoding="utf-8"?>
+<p:sld xmlns:a="http://schemas.openxmlformats.org/drawingml/2006/main" xmlns:r="http://schemas.openxmlformats.org/officeDocument/2006/relationships" xmlns:p="http://schemas.openxmlformats.org/presentationml/2006/main">
+  <p:cSld>
+    <p:spTree>
+      <p:nvGrpSpPr>
+        <p:cNvPr id="1" name=""/>
+        <p:cNvGrpSpPr/>
+        <p:nvPr/>
+      </p:nvGrpSpPr>
+      <p:grpSpPr>
+        <a:xfrm>
+          <a:off x="0" y="0"/>
+          <a:ext cx="0" cy="0"/>
+          <a:chOff x="0" y="0"/>
+          <a:chExt cx="0" cy="0"/>
+        </a:xfrm>
+      </p:grpSpPr>
+      <p:sp>
+        <p:nvSpPr>
           <p:cNvPr id="2" name="タイトル 1">
             <a:extLst>
               <a:ext uri="{FF2B5EF4-FFF2-40B4-BE49-F238E27FC236}">
-                <a16:creationId xmlns:a16="http://schemas.microsoft.com/office/drawing/2014/main" xmlns="" id="{E51685A4-619D-492E-9EBD-3E9036531844}"/>
+                <a16:creationId xmlns="" xmlns:a16="http://schemas.microsoft.com/office/drawing/2014/main" id="{E51685A4-619D-492E-9EBD-3E9036531844}"/>
               </a:ext>
             </a:extLst>
           </p:cNvPr>
@@ -5357,7 +5496,7 @@
           <p:cNvPr id="3" name="テキスト ボックス 2">
             <a:extLst>
               <a:ext uri="{FF2B5EF4-FFF2-40B4-BE49-F238E27FC236}">
-                <a16:creationId xmlns:a16="http://schemas.microsoft.com/office/drawing/2014/main" xmlns="" id="{BEED445F-1FB6-4647-952B-24220113933D}"/>
+                <a16:creationId xmlns="" xmlns:a16="http://schemas.microsoft.com/office/drawing/2014/main" id="{BEED445F-1FB6-4647-952B-24220113933D}"/>
               </a:ext>
             </a:extLst>
           </p:cNvPr>
@@ -5408,13 +5547,16 @@
           <a:p>
             <a:r>
               <a:rPr lang="ja-JP" altLang="en-US" sz="2400" dirty="0" smtClean="0"/>
-              <a:t>・</a:t>
+              <a:t>・オペレーションリサーチ</a:t>
             </a:r>
             <a:r>
               <a:rPr lang="ja-JP" altLang="en-US" sz="2400" dirty="0" smtClean="0"/>
-              <a:t>オペレーションリサーチ、確率復習</a:t>
-            </a:r>
-            <a:endParaRPr kumimoji="1" lang="en-US" altLang="ja-JP" sz="2400" dirty="0"/>
+              <a:t>、</a:t>
+            </a:r>
+            <a:r>
+              <a:rPr lang="ja-JP" altLang="en-US" sz="2400" dirty="0" smtClean="0"/>
+              <a:t>アルゴリズム復習</a:t>
+            </a:r>
           </a:p>
         </p:txBody>
       </p:sp>
